--- a/REQUISITOS NO FUNCIONALES.pptx
+++ b/REQUISITOS NO FUNCIONALES.pptx
@@ -1,6 +1,6 @@
 
 <file path=ppt/presentation.xml><?xml version="1.0" encoding="utf-8"?>
-<p:presentation xmlns:a="http://schemas.openxmlformats.org/drawingml/2006/main" xmlns:r="http://schemas.openxmlformats.org/officeDocument/2006/relationships" xmlns:p="http://schemas.openxmlformats.org/presentationml/2006/main" autoCompressPictures="0">
+<p:presentation xmlns:a="http://schemas.openxmlformats.org/drawingml/2006/main" xmlns:r="http://schemas.openxmlformats.org/officeDocument/2006/relationships" xmlns:p="http://schemas.openxmlformats.org/presentationml/2006/main" autoCompressPictures="0" bookmarkIdSeed="2">
   <p:sldMasterIdLst>
     <p:sldMasterId id="2147483648" r:id="rId1"/>
     <p:sldMasterId id="2147483671" r:id="rId2"/>
@@ -15,6 +15,7 @@
     <p:sldId id="260" r:id="rId9"/>
     <p:sldId id="261" r:id="rId10"/>
     <p:sldId id="262" r:id="rId11"/>
+    <p:sldId id="263" r:id="rId12"/>
   </p:sldIdLst>
   <p:sldSz cx="12192000" cy="6858000"/>
   <p:notesSz cx="6858000" cy="9144000"/>
@@ -307,7 +308,7 @@
           <a:p>
             <a:fld id="{4AAD347D-5ACD-4C99-B74B-A9C85AD731AF}" type="datetimeFigureOut">
               <a:rPr lang="en-US" dirty="0"/>
-              <a:t>3/18/2021</a:t>
+              <a:t>3/20/2021</a:t>
             </a:fld>
             <a:endParaRPr lang="en-US" dirty="0"/>
           </a:p>
@@ -577,7 +578,7 @@
           <a:p>
             <a:fld id="{4509A250-FF31-4206-8172-F9D3106AACB1}" type="datetimeFigureOut">
               <a:rPr lang="en-US" dirty="0"/>
-              <a:t>3/18/2021</a:t>
+              <a:t>3/20/2021</a:t>
             </a:fld>
             <a:endParaRPr lang="en-US" dirty="0"/>
           </a:p>
@@ -766,7 +767,7 @@
           <a:p>
             <a:fld id="{4509A250-FF31-4206-8172-F9D3106AACB1}" type="datetimeFigureOut">
               <a:rPr lang="en-US" dirty="0"/>
-              <a:t>3/18/2021</a:t>
+              <a:t>3/20/2021</a:t>
             </a:fld>
             <a:endParaRPr lang="en-US" dirty="0"/>
           </a:p>
@@ -1034,7 +1035,7 @@
           <a:p>
             <a:fld id="{4509A250-FF31-4206-8172-F9D3106AACB1}" type="datetimeFigureOut">
               <a:rPr lang="en-US" dirty="0"/>
-              <a:t>3/18/2021</a:t>
+              <a:t>3/20/2021</a:t>
             </a:fld>
             <a:endParaRPr lang="en-US" dirty="0"/>
           </a:p>
@@ -1370,7 +1371,7 @@
           <a:p>
             <a:fld id="{4509A250-FF31-4206-8172-F9D3106AACB1}" type="datetimeFigureOut">
               <a:rPr lang="en-US" dirty="0"/>
-              <a:t>3/18/2021</a:t>
+              <a:t>3/20/2021</a:t>
             </a:fld>
             <a:endParaRPr lang="en-US" dirty="0"/>
           </a:p>
@@ -1988,7 +1989,7 @@
           <a:p>
             <a:fld id="{4509A250-FF31-4206-8172-F9D3106AACB1}" type="datetimeFigureOut">
               <a:rPr lang="en-US" dirty="0"/>
-              <a:t>3/18/2021</a:t>
+              <a:t>3/20/2021</a:t>
             </a:fld>
             <a:endParaRPr lang="en-US" dirty="0"/>
           </a:p>
@@ -2843,7 +2844,7 @@
           <a:p>
             <a:fld id="{4509A250-FF31-4206-8172-F9D3106AACB1}" type="datetimeFigureOut">
               <a:rPr lang="en-US" dirty="0"/>
-              <a:t>3/18/2021</a:t>
+              <a:t>3/20/2021</a:t>
             </a:fld>
             <a:endParaRPr lang="en-US" dirty="0"/>
           </a:p>
@@ -3008,7 +3009,7 @@
           <a:p>
             <a:fld id="{4509A250-FF31-4206-8172-F9D3106AACB1}" type="datetimeFigureOut">
               <a:rPr lang="en-US" dirty="0"/>
-              <a:t>3/18/2021</a:t>
+              <a:t>3/20/2021</a:t>
             </a:fld>
             <a:endParaRPr lang="en-US" dirty="0"/>
           </a:p>
@@ -3183,7 +3184,7 @@
           <a:p>
             <a:fld id="{4509A250-FF31-4206-8172-F9D3106AACB1}" type="datetimeFigureOut">
               <a:rPr lang="en-US" dirty="0"/>
-              <a:t>3/18/2021</a:t>
+              <a:t>3/20/2021</a:t>
             </a:fld>
             <a:endParaRPr lang="en-US" dirty="0"/>
           </a:p>
@@ -3425,7 +3426,7 @@
           <a:p>
             <a:fld id="{4AAD347D-5ACD-4C99-B74B-A9C85AD731AF}" type="datetimeFigureOut">
               <a:rPr lang="en-US" smtClean="0"/>
-              <a:t>3/18/2021</a:t>
+              <a:t>3/20/2021</a:t>
             </a:fld>
             <a:endParaRPr lang="en-US" dirty="0"/>
           </a:p>
@@ -3595,7 +3596,7 @@
           <a:p>
             <a:fld id="{4509A250-FF31-4206-8172-F9D3106AACB1}" type="datetimeFigureOut">
               <a:rPr lang="en-US" smtClean="0"/>
-              <a:t>3/18/2021</a:t>
+              <a:t>3/20/2021</a:t>
             </a:fld>
             <a:endParaRPr lang="en-US" dirty="0"/>
           </a:p>
@@ -3765,7 +3766,7 @@
           <a:p>
             <a:fld id="{4509A250-FF31-4206-8172-F9D3106AACB1}" type="datetimeFigureOut">
               <a:rPr lang="en-US" dirty="0"/>
-              <a:t>3/18/2021</a:t>
+              <a:t>3/20/2021</a:t>
             </a:fld>
             <a:endParaRPr lang="en-US" dirty="0"/>
           </a:p>
@@ -4007,7 +4008,7 @@
           <a:p>
             <a:fld id="{9796027F-7875-4030-9381-8BD8C4F21935}" type="datetimeFigureOut">
               <a:rPr lang="en-US" smtClean="0"/>
-              <a:t>3/18/2021</a:t>
+              <a:t>3/20/2021</a:t>
             </a:fld>
             <a:endParaRPr lang="en-US" dirty="0"/>
           </a:p>
@@ -4299,7 +4300,7 @@
           <a:p>
             <a:fld id="{9796027F-7875-4030-9381-8BD8C4F21935}" type="datetimeFigureOut">
               <a:rPr lang="en-US" smtClean="0"/>
-              <a:t>3/18/2021</a:t>
+              <a:t>3/20/2021</a:t>
             </a:fld>
             <a:endParaRPr lang="en-US" dirty="0"/>
           </a:p>
@@ -4743,7 +4744,7 @@
           <a:p>
             <a:fld id="{9796027F-7875-4030-9381-8BD8C4F21935}" type="datetimeFigureOut">
               <a:rPr lang="en-US" smtClean="0"/>
-              <a:t>3/18/2021</a:t>
+              <a:t>3/20/2021</a:t>
             </a:fld>
             <a:endParaRPr lang="en-US" dirty="0"/>
           </a:p>
@@ -4861,7 +4862,7 @@
           <a:p>
             <a:fld id="{4509A250-FF31-4206-8172-F9D3106AACB1}" type="datetimeFigureOut">
               <a:rPr lang="en-US" smtClean="0"/>
-              <a:t>3/18/2021</a:t>
+              <a:t>3/20/2021</a:t>
             </a:fld>
             <a:endParaRPr lang="en-US" dirty="0"/>
           </a:p>
@@ -4956,7 +4957,7 @@
           <a:p>
             <a:fld id="{4509A250-FF31-4206-8172-F9D3106AACB1}" type="datetimeFigureOut">
               <a:rPr lang="en-US" smtClean="0"/>
-              <a:t>3/18/2021</a:t>
+              <a:t>3/20/2021</a:t>
             </a:fld>
             <a:endParaRPr lang="en-US" dirty="0"/>
           </a:p>
@@ -5235,7 +5236,7 @@
           <a:p>
             <a:fld id="{4509A250-FF31-4206-8172-F9D3106AACB1}" type="datetimeFigureOut">
               <a:rPr lang="en-US" smtClean="0"/>
-              <a:t>3/18/2021</a:t>
+              <a:t>3/20/2021</a:t>
             </a:fld>
             <a:endParaRPr lang="en-US" dirty="0"/>
           </a:p>
@@ -5510,7 +5511,7 @@
           <a:p>
             <a:fld id="{4509A250-FF31-4206-8172-F9D3106AACB1}" type="datetimeFigureOut">
               <a:rPr lang="en-US" smtClean="0"/>
-              <a:t>3/18/2021</a:t>
+              <a:t>3/20/2021</a:t>
             </a:fld>
             <a:endParaRPr lang="en-US" dirty="0"/>
           </a:p>
@@ -5785,7 +5786,7 @@
           <a:p>
             <a:fld id="{4509A250-FF31-4206-8172-F9D3106AACB1}" type="datetimeFigureOut">
               <a:rPr lang="en-US" smtClean="0"/>
-              <a:t>3/18/2021</a:t>
+              <a:t>3/20/2021</a:t>
             </a:fld>
             <a:endParaRPr lang="en-US" dirty="0"/>
           </a:p>
@@ -5979,7 +5980,7 @@
           <a:p>
             <a:fld id="{4509A250-FF31-4206-8172-F9D3106AACB1}" type="datetimeFigureOut">
               <a:rPr lang="en-US" smtClean="0"/>
-              <a:t>3/18/2021</a:t>
+              <a:t>3/20/2021</a:t>
             </a:fld>
             <a:endParaRPr lang="en-US" dirty="0"/>
           </a:p>
@@ -6250,7 +6251,7 @@
           <a:p>
             <a:fld id="{4AAD347D-5ACD-4C99-B74B-A9C85AD731AF}" type="datetimeFigureOut">
               <a:rPr lang="en-US" smtClean="0"/>
-              <a:t>3/18/2021</a:t>
+              <a:t>3/20/2021</a:t>
             </a:fld>
             <a:endParaRPr lang="en-US" dirty="0"/>
           </a:p>
@@ -6578,7 +6579,7 @@
           <a:p>
             <a:fld id="{9796027F-7875-4030-9381-8BD8C4F21935}" type="datetimeFigureOut">
               <a:rPr lang="en-US" dirty="0"/>
-              <a:t>3/18/2021</a:t>
+              <a:t>3/20/2021</a:t>
             </a:fld>
             <a:endParaRPr lang="en-US" dirty="0"/>
           </a:p>
@@ -6820,7 +6821,7 @@
           <a:p>
             <a:fld id="{4509A250-FF31-4206-8172-F9D3106AACB1}" type="datetimeFigureOut">
               <a:rPr lang="en-US" smtClean="0"/>
-              <a:t>3/18/2021</a:t>
+              <a:t>3/20/2021</a:t>
             </a:fld>
             <a:endParaRPr lang="en-US" dirty="0"/>
           </a:p>
@@ -7439,7 +7440,7 @@
           <a:p>
             <a:fld id="{4509A250-FF31-4206-8172-F9D3106AACB1}" type="datetimeFigureOut">
               <a:rPr lang="en-US" smtClean="0"/>
-              <a:t>3/18/2021</a:t>
+              <a:t>3/20/2021</a:t>
             </a:fld>
             <a:endParaRPr lang="en-US" dirty="0"/>
           </a:p>
@@ -8286,7 +8287,7 @@
           <a:p>
             <a:fld id="{4509A250-FF31-4206-8172-F9D3106AACB1}" type="datetimeFigureOut">
               <a:rPr lang="en-US" smtClean="0"/>
-              <a:t>3/18/2021</a:t>
+              <a:t>3/20/2021</a:t>
             </a:fld>
             <a:endParaRPr lang="en-US" dirty="0"/>
           </a:p>
@@ -8456,7 +8457,7 @@
           <a:p>
             <a:fld id="{4509A250-FF31-4206-8172-F9D3106AACB1}" type="datetimeFigureOut">
               <a:rPr lang="en-US" smtClean="0"/>
-              <a:t>3/18/2021</a:t>
+              <a:t>3/20/2021</a:t>
             </a:fld>
             <a:endParaRPr lang="en-US" dirty="0"/>
           </a:p>
@@ -8636,7 +8637,7 @@
           <a:p>
             <a:fld id="{4509A250-FF31-4206-8172-F9D3106AACB1}" type="datetimeFigureOut">
               <a:rPr lang="en-US" smtClean="0"/>
-              <a:t>3/18/2021</a:t>
+              <a:t>3/20/2021</a:t>
             </a:fld>
             <a:endParaRPr lang="en-US" dirty="0"/>
           </a:p>
@@ -8880,7 +8881,7 @@
           <a:p>
             <a:fld id="{4AAD347D-5ACD-4C99-B74B-A9C85AD731AF}" type="datetimeFigureOut">
               <a:rPr lang="en-US" smtClean="0"/>
-              <a:t>3/18/2021</a:t>
+              <a:t>3/20/2021</a:t>
             </a:fld>
             <a:endParaRPr lang="en-US" dirty="0"/>
           </a:p>
@@ -9050,7 +9051,7 @@
           <a:p>
             <a:fld id="{4509A250-FF31-4206-8172-F9D3106AACB1}" type="datetimeFigureOut">
               <a:rPr lang="en-US" smtClean="0"/>
-              <a:t>3/18/2021</a:t>
+              <a:t>3/20/2021</a:t>
             </a:fld>
             <a:endParaRPr lang="en-US" dirty="0"/>
           </a:p>
@@ -9294,7 +9295,7 @@
           <a:p>
             <a:fld id="{9796027F-7875-4030-9381-8BD8C4F21935}" type="datetimeFigureOut">
               <a:rPr lang="en-US" smtClean="0"/>
-              <a:t>3/18/2021</a:t>
+              <a:t>3/20/2021</a:t>
             </a:fld>
             <a:endParaRPr lang="en-US" dirty="0"/>
           </a:p>
@@ -9586,7 +9587,7 @@
           <a:p>
             <a:fld id="{9796027F-7875-4030-9381-8BD8C4F21935}" type="datetimeFigureOut">
               <a:rPr lang="en-US" smtClean="0"/>
-              <a:t>3/18/2021</a:t>
+              <a:t>3/20/2021</a:t>
             </a:fld>
             <a:endParaRPr lang="en-US" dirty="0"/>
           </a:p>
@@ -10024,7 +10025,7 @@
           <a:p>
             <a:fld id="{9796027F-7875-4030-9381-8BD8C4F21935}" type="datetimeFigureOut">
               <a:rPr lang="en-US" smtClean="0"/>
-              <a:t>3/18/2021</a:t>
+              <a:t>3/20/2021</a:t>
             </a:fld>
             <a:endParaRPr lang="en-US" dirty="0"/>
           </a:p>
@@ -10316,7 +10317,7 @@
           <a:p>
             <a:fld id="{9796027F-7875-4030-9381-8BD8C4F21935}" type="datetimeFigureOut">
               <a:rPr lang="en-US" dirty="0"/>
-              <a:t>3/18/2021</a:t>
+              <a:t>3/20/2021</a:t>
             </a:fld>
             <a:endParaRPr lang="en-US" dirty="0"/>
           </a:p>
@@ -10429,7 +10430,7 @@
           <a:p>
             <a:fld id="{4509A250-FF31-4206-8172-F9D3106AACB1}" type="datetimeFigureOut">
               <a:rPr lang="en-US" smtClean="0"/>
-              <a:t>3/18/2021</a:t>
+              <a:t>3/20/2021</a:t>
             </a:fld>
             <a:endParaRPr lang="en-US" dirty="0"/>
           </a:p>
@@ -10524,7 +10525,7 @@
           <a:p>
             <a:fld id="{4509A250-FF31-4206-8172-F9D3106AACB1}" type="datetimeFigureOut">
               <a:rPr lang="en-US" smtClean="0"/>
-              <a:t>3/18/2021</a:t>
+              <a:t>3/20/2021</a:t>
             </a:fld>
             <a:endParaRPr lang="en-US" dirty="0"/>
           </a:p>
@@ -10803,7 +10804,7 @@
           <a:p>
             <a:fld id="{4509A250-FF31-4206-8172-F9D3106AACB1}" type="datetimeFigureOut">
               <a:rPr lang="en-US" smtClean="0"/>
-              <a:t>3/18/2021</a:t>
+              <a:t>3/20/2021</a:t>
             </a:fld>
             <a:endParaRPr lang="en-US" dirty="0"/>
           </a:p>
@@ -11078,7 +11079,7 @@
           <a:p>
             <a:fld id="{4509A250-FF31-4206-8172-F9D3106AACB1}" type="datetimeFigureOut">
               <a:rPr lang="en-US" smtClean="0"/>
-              <a:t>3/18/2021</a:t>
+              <a:t>3/20/2021</a:t>
             </a:fld>
             <a:endParaRPr lang="en-US" dirty="0"/>
           </a:p>
@@ -11353,7 +11354,7 @@
           <a:p>
             <a:fld id="{4509A250-FF31-4206-8172-F9D3106AACB1}" type="datetimeFigureOut">
               <a:rPr lang="en-US" smtClean="0"/>
-              <a:t>3/18/2021</a:t>
+              <a:t>3/20/2021</a:t>
             </a:fld>
             <a:endParaRPr lang="en-US" dirty="0"/>
           </a:p>
@@ -11547,7 +11548,7 @@
           <a:p>
             <a:fld id="{4509A250-FF31-4206-8172-F9D3106AACB1}" type="datetimeFigureOut">
               <a:rPr lang="en-US" smtClean="0"/>
-              <a:t>3/18/2021</a:t>
+              <a:t>3/20/2021</a:t>
             </a:fld>
             <a:endParaRPr lang="en-US" dirty="0"/>
           </a:p>
@@ -11815,7 +11816,7 @@
           <a:p>
             <a:fld id="{4AAD347D-5ACD-4C99-B74B-A9C85AD731AF}" type="datetimeFigureOut">
               <a:rPr lang="en-US" smtClean="0"/>
-              <a:t>3/18/2021</a:t>
+              <a:t>3/20/2021</a:t>
             </a:fld>
             <a:endParaRPr lang="en-US" dirty="0"/>
           </a:p>
@@ -12148,7 +12149,7 @@
           <a:p>
             <a:fld id="{4509A250-FF31-4206-8172-F9D3106AACB1}" type="datetimeFigureOut">
               <a:rPr lang="en-US" smtClean="0"/>
-              <a:t>3/18/2021</a:t>
+              <a:t>3/20/2021</a:t>
             </a:fld>
             <a:endParaRPr lang="en-US" dirty="0"/>
           </a:p>
@@ -12758,7 +12759,7 @@
           <a:p>
             <a:fld id="{4509A250-FF31-4206-8172-F9D3106AACB1}" type="datetimeFigureOut">
               <a:rPr lang="en-US" smtClean="0"/>
-              <a:t>3/18/2021</a:t>
+              <a:t>3/20/2021</a:t>
             </a:fld>
             <a:endParaRPr lang="en-US" dirty="0"/>
           </a:p>
@@ -13605,7 +13606,7 @@
           <a:p>
             <a:fld id="{4509A250-FF31-4206-8172-F9D3106AACB1}" type="datetimeFigureOut">
               <a:rPr lang="en-US" smtClean="0"/>
-              <a:t>3/18/2021</a:t>
+              <a:t>3/20/2021</a:t>
             </a:fld>
             <a:endParaRPr lang="en-US" dirty="0"/>
           </a:p>
@@ -14049,7 +14050,7 @@
           <a:p>
             <a:fld id="{9796027F-7875-4030-9381-8BD8C4F21935}" type="datetimeFigureOut">
               <a:rPr lang="en-US" dirty="0"/>
-              <a:t>3/18/2021</a:t>
+              <a:t>3/20/2021</a:t>
             </a:fld>
             <a:endParaRPr lang="en-US" dirty="0"/>
           </a:p>
@@ -14214,7 +14215,7 @@
           <a:p>
             <a:fld id="{4509A250-FF31-4206-8172-F9D3106AACB1}" type="datetimeFigureOut">
               <a:rPr lang="en-US" smtClean="0"/>
-              <a:t>3/18/2021</a:t>
+              <a:t>3/20/2021</a:t>
             </a:fld>
             <a:endParaRPr lang="en-US" dirty="0"/>
           </a:p>
@@ -14394,7 +14395,7 @@
           <a:p>
             <a:fld id="{4509A250-FF31-4206-8172-F9D3106AACB1}" type="datetimeFigureOut">
               <a:rPr lang="en-US" smtClean="0"/>
-              <a:t>3/18/2021</a:t>
+              <a:t>3/20/2021</a:t>
             </a:fld>
             <a:endParaRPr lang="en-US" dirty="0"/>
           </a:p>
@@ -14638,7 +14639,7 @@
           <a:p>
             <a:fld id="{4AAD347D-5ACD-4C99-B74B-A9C85AD731AF}" type="datetimeFigureOut">
               <a:rPr lang="en-US" smtClean="0"/>
-              <a:t>3/18/2021</a:t>
+              <a:t>3/20/2021</a:t>
             </a:fld>
             <a:endParaRPr lang="en-US" dirty="0"/>
           </a:p>
@@ -14808,7 +14809,7 @@
           <a:p>
             <a:fld id="{4509A250-FF31-4206-8172-F9D3106AACB1}" type="datetimeFigureOut">
               <a:rPr lang="en-US" smtClean="0"/>
-              <a:t>3/18/2021</a:t>
+              <a:t>3/20/2021</a:t>
             </a:fld>
             <a:endParaRPr lang="en-US" dirty="0"/>
           </a:p>
@@ -15052,7 +15053,7 @@
           <a:p>
             <a:fld id="{9796027F-7875-4030-9381-8BD8C4F21935}" type="datetimeFigureOut">
               <a:rPr lang="en-US" smtClean="0"/>
-              <a:t>3/18/2021</a:t>
+              <a:t>3/20/2021</a:t>
             </a:fld>
             <a:endParaRPr lang="en-US" dirty="0"/>
           </a:p>
@@ -15344,7 +15345,7 @@
           <a:p>
             <a:fld id="{9796027F-7875-4030-9381-8BD8C4F21935}" type="datetimeFigureOut">
               <a:rPr lang="en-US" smtClean="0"/>
-              <a:t>3/18/2021</a:t>
+              <a:t>3/20/2021</a:t>
             </a:fld>
             <a:endParaRPr lang="en-US" dirty="0"/>
           </a:p>
@@ -15782,7 +15783,7 @@
           <a:p>
             <a:fld id="{9796027F-7875-4030-9381-8BD8C4F21935}" type="datetimeFigureOut">
               <a:rPr lang="en-US" smtClean="0"/>
-              <a:t>3/18/2021</a:t>
+              <a:t>3/20/2021</a:t>
             </a:fld>
             <a:endParaRPr lang="en-US" dirty="0"/>
           </a:p>
@@ -15900,7 +15901,7 @@
           <a:p>
             <a:fld id="{4509A250-FF31-4206-8172-F9D3106AACB1}" type="datetimeFigureOut">
               <a:rPr lang="en-US" smtClean="0"/>
-              <a:t>3/18/2021</a:t>
+              <a:t>3/20/2021</a:t>
             </a:fld>
             <a:endParaRPr lang="en-US" dirty="0"/>
           </a:p>
@@ -15995,7 +15996,7 @@
           <a:p>
             <a:fld id="{4509A250-FF31-4206-8172-F9D3106AACB1}" type="datetimeFigureOut">
               <a:rPr lang="en-US" smtClean="0"/>
-              <a:t>3/18/2021</a:t>
+              <a:t>3/20/2021</a:t>
             </a:fld>
             <a:endParaRPr lang="en-US" dirty="0"/>
           </a:p>
@@ -16274,7 +16275,7 @@
           <a:p>
             <a:fld id="{4509A250-FF31-4206-8172-F9D3106AACB1}" type="datetimeFigureOut">
               <a:rPr lang="en-US" smtClean="0"/>
-              <a:t>3/18/2021</a:t>
+              <a:t>3/20/2021</a:t>
             </a:fld>
             <a:endParaRPr lang="en-US" dirty="0"/>
           </a:p>
@@ -16392,7 +16393,7 @@
           <a:p>
             <a:fld id="{4509A250-FF31-4206-8172-F9D3106AACB1}" type="datetimeFigureOut">
               <a:rPr lang="en-US" dirty="0"/>
-              <a:t>3/18/2021</a:t>
+              <a:t>3/20/2021</a:t>
             </a:fld>
             <a:endParaRPr lang="en-US" dirty="0"/>
           </a:p>
@@ -16662,7 +16663,7 @@
           <a:p>
             <a:fld id="{4509A250-FF31-4206-8172-F9D3106AACB1}" type="datetimeFigureOut">
               <a:rPr lang="en-US" smtClean="0"/>
-              <a:t>3/18/2021</a:t>
+              <a:t>3/20/2021</a:t>
             </a:fld>
             <a:endParaRPr lang="en-US" dirty="0"/>
           </a:p>
@@ -16937,7 +16938,7 @@
           <a:p>
             <a:fld id="{4509A250-FF31-4206-8172-F9D3106AACB1}" type="datetimeFigureOut">
               <a:rPr lang="en-US" smtClean="0"/>
-              <a:t>3/18/2021</a:t>
+              <a:t>3/20/2021</a:t>
             </a:fld>
             <a:endParaRPr lang="en-US" dirty="0"/>
           </a:p>
@@ -17131,7 +17132,7 @@
           <a:p>
             <a:fld id="{4509A250-FF31-4206-8172-F9D3106AACB1}" type="datetimeFigureOut">
               <a:rPr lang="en-US" smtClean="0"/>
-              <a:t>3/18/2021</a:t>
+              <a:t>3/20/2021</a:t>
             </a:fld>
             <a:endParaRPr lang="en-US" dirty="0"/>
           </a:p>
@@ -17399,7 +17400,7 @@
           <a:p>
             <a:fld id="{4AAD347D-5ACD-4C99-B74B-A9C85AD731AF}" type="datetimeFigureOut">
               <a:rPr lang="en-US" smtClean="0"/>
-              <a:t>3/18/2021</a:t>
+              <a:t>3/20/2021</a:t>
             </a:fld>
             <a:endParaRPr lang="en-US" dirty="0"/>
           </a:p>
@@ -17732,7 +17733,7 @@
           <a:p>
             <a:fld id="{4509A250-FF31-4206-8172-F9D3106AACB1}" type="datetimeFigureOut">
               <a:rPr lang="en-US" smtClean="0"/>
-              <a:t>3/18/2021</a:t>
+              <a:t>3/20/2021</a:t>
             </a:fld>
             <a:endParaRPr lang="en-US" dirty="0"/>
           </a:p>
@@ -18342,7 +18343,7 @@
           <a:p>
             <a:fld id="{4509A250-FF31-4206-8172-F9D3106AACB1}" type="datetimeFigureOut">
               <a:rPr lang="en-US" smtClean="0"/>
-              <a:t>3/18/2021</a:t>
+              <a:t>3/20/2021</a:t>
             </a:fld>
             <a:endParaRPr lang="en-US" dirty="0"/>
           </a:p>
@@ -19189,7 +19190,7 @@
           <a:p>
             <a:fld id="{4509A250-FF31-4206-8172-F9D3106AACB1}" type="datetimeFigureOut">
               <a:rPr lang="en-US" smtClean="0"/>
-              <a:t>3/18/2021</a:t>
+              <a:t>3/20/2021</a:t>
             </a:fld>
             <a:endParaRPr lang="en-US" dirty="0"/>
           </a:p>
@@ -19359,7 +19360,7 @@
           <a:p>
             <a:fld id="{4509A250-FF31-4206-8172-F9D3106AACB1}" type="datetimeFigureOut">
               <a:rPr lang="en-US" smtClean="0"/>
-              <a:t>3/18/2021</a:t>
+              <a:t>3/20/2021</a:t>
             </a:fld>
             <a:endParaRPr lang="en-US" dirty="0"/>
           </a:p>
@@ -19539,7 +19540,7 @@
           <a:p>
             <a:fld id="{4509A250-FF31-4206-8172-F9D3106AACB1}" type="datetimeFigureOut">
               <a:rPr lang="en-US" smtClean="0"/>
-              <a:t>3/18/2021</a:t>
+              <a:t>3/20/2021</a:t>
             </a:fld>
             <a:endParaRPr lang="en-US" dirty="0"/>
           </a:p>
@@ -19786,7 +19787,7 @@
           <a:p>
             <a:fld id="{4AAD347D-5ACD-4C99-B74B-A9C85AD731AF}" type="datetimeFigureOut">
               <a:rPr lang="en-US" smtClean="0"/>
-              <a:t>3/18/2021</a:t>
+              <a:t>3/20/2021</a:t>
             </a:fld>
             <a:endParaRPr lang="en-US" dirty="0"/>
           </a:p>
@@ -19881,7 +19882,7 @@
           <a:p>
             <a:fld id="{4509A250-FF31-4206-8172-F9D3106AACB1}" type="datetimeFigureOut">
               <a:rPr lang="en-US" dirty="0"/>
-              <a:t>3/18/2021</a:t>
+              <a:t>3/20/2021</a:t>
             </a:fld>
             <a:endParaRPr lang="en-US" dirty="0"/>
           </a:p>
@@ -20046,7 +20047,7 @@
           <a:p>
             <a:fld id="{4509A250-FF31-4206-8172-F9D3106AACB1}" type="datetimeFigureOut">
               <a:rPr lang="en-US" smtClean="0"/>
-              <a:t>3/18/2021</a:t>
+              <a:t>3/20/2021</a:t>
             </a:fld>
             <a:endParaRPr lang="en-US" dirty="0"/>
           </a:p>
@@ -20293,7 +20294,7 @@
           <a:p>
             <a:fld id="{9796027F-7875-4030-9381-8BD8C4F21935}" type="datetimeFigureOut">
               <a:rPr lang="en-US" smtClean="0"/>
-              <a:t>3/18/2021</a:t>
+              <a:t>3/20/2021</a:t>
             </a:fld>
             <a:endParaRPr lang="en-US" dirty="0"/>
           </a:p>
@@ -20585,7 +20586,7 @@
           <a:p>
             <a:fld id="{9796027F-7875-4030-9381-8BD8C4F21935}" type="datetimeFigureOut">
               <a:rPr lang="en-US" smtClean="0"/>
-              <a:t>3/18/2021</a:t>
+              <a:t>3/20/2021</a:t>
             </a:fld>
             <a:endParaRPr lang="en-US" dirty="0"/>
           </a:p>
@@ -21029,7 +21030,7 @@
           <a:p>
             <a:fld id="{9796027F-7875-4030-9381-8BD8C4F21935}" type="datetimeFigureOut">
               <a:rPr lang="en-US" smtClean="0"/>
-              <a:t>3/18/2021</a:t>
+              <a:t>3/20/2021</a:t>
             </a:fld>
             <a:endParaRPr lang="en-US" dirty="0"/>
           </a:p>
@@ -21147,7 +21148,7 @@
           <a:p>
             <a:fld id="{4509A250-FF31-4206-8172-F9D3106AACB1}" type="datetimeFigureOut">
               <a:rPr lang="en-US" smtClean="0"/>
-              <a:t>3/18/2021</a:t>
+              <a:t>3/20/2021</a:t>
             </a:fld>
             <a:endParaRPr lang="en-US" dirty="0"/>
           </a:p>
@@ -21242,7 +21243,7 @@
           <a:p>
             <a:fld id="{4509A250-FF31-4206-8172-F9D3106AACB1}" type="datetimeFigureOut">
               <a:rPr lang="en-US" smtClean="0"/>
-              <a:t>3/18/2021</a:t>
+              <a:t>3/20/2021</a:t>
             </a:fld>
             <a:endParaRPr lang="en-US" dirty="0"/>
           </a:p>
@@ -21521,7 +21522,7 @@
           <a:p>
             <a:fld id="{4509A250-FF31-4206-8172-F9D3106AACB1}" type="datetimeFigureOut">
               <a:rPr lang="en-US" smtClean="0"/>
-              <a:t>3/18/2021</a:t>
+              <a:t>3/20/2021</a:t>
             </a:fld>
             <a:endParaRPr lang="en-US" dirty="0"/>
           </a:p>
@@ -21796,7 +21797,7 @@
           <a:p>
             <a:fld id="{4509A250-FF31-4206-8172-F9D3106AACB1}" type="datetimeFigureOut">
               <a:rPr lang="en-US" smtClean="0"/>
-              <a:t>3/18/2021</a:t>
+              <a:t>3/20/2021</a:t>
             </a:fld>
             <a:endParaRPr lang="en-US" dirty="0"/>
           </a:p>
@@ -22071,7 +22072,7 @@
           <a:p>
             <a:fld id="{4509A250-FF31-4206-8172-F9D3106AACB1}" type="datetimeFigureOut">
               <a:rPr lang="en-US" smtClean="0"/>
-              <a:t>3/18/2021</a:t>
+              <a:t>3/20/2021</a:t>
             </a:fld>
             <a:endParaRPr lang="en-US" dirty="0"/>
           </a:p>
@@ -22265,7 +22266,7 @@
           <a:p>
             <a:fld id="{4509A250-FF31-4206-8172-F9D3106AACB1}" type="datetimeFigureOut">
               <a:rPr lang="en-US" smtClean="0"/>
-              <a:t>3/18/2021</a:t>
+              <a:t>3/20/2021</a:t>
             </a:fld>
             <a:endParaRPr lang="en-US" dirty="0"/>
           </a:p>
@@ -22544,7 +22545,7 @@
           <a:p>
             <a:fld id="{4509A250-FF31-4206-8172-F9D3106AACB1}" type="datetimeFigureOut">
               <a:rPr lang="en-US" dirty="0"/>
-              <a:t>3/18/2021</a:t>
+              <a:t>3/20/2021</a:t>
             </a:fld>
             <a:endParaRPr lang="en-US" dirty="0"/>
           </a:p>
@@ -22812,7 +22813,7 @@
           <a:p>
             <a:fld id="{4AAD347D-5ACD-4C99-B74B-A9C85AD731AF}" type="datetimeFigureOut">
               <a:rPr lang="en-US" smtClean="0"/>
-              <a:t>3/18/2021</a:t>
+              <a:t>3/20/2021</a:t>
             </a:fld>
             <a:endParaRPr lang="en-US" dirty="0"/>
           </a:p>
@@ -23154,7 +23155,7 @@
           <a:p>
             <a:fld id="{4509A250-FF31-4206-8172-F9D3106AACB1}" type="datetimeFigureOut">
               <a:rPr lang="en-US" smtClean="0"/>
-              <a:t>3/18/2021</a:t>
+              <a:t>3/20/2021</a:t>
             </a:fld>
             <a:endParaRPr lang="en-US" dirty="0"/>
           </a:p>
@@ -23777,7 +23778,7 @@
           <a:p>
             <a:fld id="{4509A250-FF31-4206-8172-F9D3106AACB1}" type="datetimeFigureOut">
               <a:rPr lang="en-US" smtClean="0"/>
-              <a:t>3/18/2021</a:t>
+              <a:t>3/20/2021</a:t>
             </a:fld>
             <a:endParaRPr lang="en-US" dirty="0"/>
           </a:p>
@@ -24637,7 +24638,7 @@
           <a:p>
             <a:fld id="{4509A250-FF31-4206-8172-F9D3106AACB1}" type="datetimeFigureOut">
               <a:rPr lang="en-US" smtClean="0"/>
-              <a:t>3/18/2021</a:t>
+              <a:t>3/20/2021</a:t>
             </a:fld>
             <a:endParaRPr lang="en-US" dirty="0"/>
           </a:p>
@@ -24807,7 +24808,7 @@
           <a:p>
             <a:fld id="{4509A250-FF31-4206-8172-F9D3106AACB1}" type="datetimeFigureOut">
               <a:rPr lang="en-US" smtClean="0"/>
-              <a:t>3/18/2021</a:t>
+              <a:t>3/20/2021</a:t>
             </a:fld>
             <a:endParaRPr lang="en-US" dirty="0"/>
           </a:p>
@@ -24987,7 +24988,7 @@
           <a:p>
             <a:fld id="{4509A250-FF31-4206-8172-F9D3106AACB1}" type="datetimeFigureOut">
               <a:rPr lang="en-US" smtClean="0"/>
-              <a:t>3/18/2021</a:t>
+              <a:t>3/20/2021</a:t>
             </a:fld>
             <a:endParaRPr lang="en-US" dirty="0"/>
           </a:p>
@@ -25262,7 +25263,7 @@
           <a:p>
             <a:fld id="{4509A250-FF31-4206-8172-F9D3106AACB1}" type="datetimeFigureOut">
               <a:rPr lang="en-US" dirty="0"/>
-              <a:t>3/18/2021</a:t>
+              <a:t>3/20/2021</a:t>
             </a:fld>
             <a:endParaRPr lang="en-US" dirty="0"/>
           </a:p>
@@ -25686,7 +25687,7 @@
           <a:p>
             <a:fld id="{4AAD347D-5ACD-4C99-B74B-A9C85AD731AF}" type="datetimeFigureOut">
               <a:rPr lang="en-US" dirty="0"/>
-              <a:t>3/18/2021</a:t>
+              <a:t>3/20/2021</a:t>
             </a:fld>
             <a:endParaRPr lang="en-US" dirty="0"/>
           </a:p>
@@ -26555,7 +26556,7 @@
           <a:p>
             <a:fld id="{4AAD347D-5ACD-4C99-B74B-A9C85AD731AF}" type="datetimeFigureOut">
               <a:rPr lang="en-US" smtClean="0"/>
-              <a:t>3/18/2021</a:t>
+              <a:t>3/20/2021</a:t>
             </a:fld>
             <a:endParaRPr lang="en-US" dirty="0"/>
           </a:p>
@@ -27435,7 +27436,7 @@
           <a:p>
             <a:fld id="{4AAD347D-5ACD-4C99-B74B-A9C85AD731AF}" type="datetimeFigureOut">
               <a:rPr lang="en-US" smtClean="0"/>
-              <a:t>3/18/2021</a:t>
+              <a:t>3/20/2021</a:t>
             </a:fld>
             <a:endParaRPr lang="en-US" dirty="0"/>
           </a:p>
@@ -28288,7 +28289,7 @@
           <a:p>
             <a:fld id="{4AAD347D-5ACD-4C99-B74B-A9C85AD731AF}" type="datetimeFigureOut">
               <a:rPr lang="en-US" smtClean="0"/>
-              <a:t>3/18/2021</a:t>
+              <a:t>3/20/2021</a:t>
             </a:fld>
             <a:endParaRPr lang="en-US" dirty="0"/>
           </a:p>
@@ -29141,7 +29142,7 @@
           <a:p>
             <a:fld id="{4AAD347D-5ACD-4C99-B74B-A9C85AD731AF}" type="datetimeFigureOut">
               <a:rPr lang="en-US" smtClean="0"/>
-              <a:t>3/18/2021</a:t>
+              <a:t>3/20/2021</a:t>
             </a:fld>
             <a:endParaRPr lang="en-US" dirty="0"/>
           </a:p>
@@ -31778,6 +31779,313 @@
     <p:extLst>
       <p:ext uri="{BB962C8B-B14F-4D97-AF65-F5344CB8AC3E}">
         <p14:creationId xmlns:p14="http://schemas.microsoft.com/office/powerpoint/2010/main" val="3588996604"/>
+      </p:ext>
+    </p:extLst>
+  </p:cSld>
+  <p:clrMapOvr>
+    <a:masterClrMapping/>
+  </p:clrMapOvr>
+</p:sld>
+</file>
+
+<file path=ppt/slides/slide7.xml><?xml version="1.0" encoding="utf-8"?>
+<p:sld xmlns:a="http://schemas.openxmlformats.org/drawingml/2006/main" xmlns:r="http://schemas.openxmlformats.org/officeDocument/2006/relationships" xmlns:p="http://schemas.openxmlformats.org/presentationml/2006/main">
+  <p:cSld>
+    <p:spTree>
+      <p:nvGrpSpPr>
+        <p:cNvPr id="1" name=""/>
+        <p:cNvGrpSpPr/>
+        <p:nvPr/>
+      </p:nvGrpSpPr>
+      <p:grpSpPr>
+        <a:xfrm>
+          <a:off x="0" y="0"/>
+          <a:ext cx="0" cy="0"/>
+          <a:chOff x="0" y="0"/>
+          <a:chExt cx="0" cy="0"/>
+        </a:xfrm>
+      </p:grpSpPr>
+      <p:sp>
+        <p:nvSpPr>
+          <p:cNvPr id="2" name="Título 1"/>
+          <p:cNvSpPr>
+            <a:spLocks noGrp="1"/>
+          </p:cNvSpPr>
+          <p:nvPr>
+            <p:ph type="title"/>
+          </p:nvPr>
+        </p:nvSpPr>
+        <p:spPr>
+          <a:xfrm>
+            <a:off x="646111" y="452718"/>
+            <a:ext cx="10169007" cy="1400530"/>
+          </a:xfrm>
+        </p:spPr>
+        <p:txBody>
+          <a:bodyPr/>
+          <a:lstStyle/>
+          <a:p>
+            <a:r>
+              <a:rPr lang="es-MX" b="1" dirty="0" smtClean="0">
+                <a:effectLst>
+                  <a:outerShdw blurRad="38100" dist="38100" dir="2700000" algn="tl">
+                    <a:srgbClr val="000000">
+                      <a:alpha val="43137"/>
+                    </a:srgbClr>
+                  </a:outerShdw>
+                </a:effectLst>
+              </a:rPr>
+              <a:t>REFERENCIAS</a:t>
+            </a:r>
+            <a:endParaRPr lang="es-CO" b="1" dirty="0">
+              <a:solidFill>
+                <a:schemeClr val="tx1"/>
+              </a:solidFill>
+              <a:effectLst>
+                <a:outerShdw blurRad="38100" dist="38100" dir="2700000" algn="tl">
+                  <a:srgbClr val="000000">
+                    <a:alpha val="43137"/>
+                  </a:srgbClr>
+                </a:outerShdw>
+              </a:effectLst>
+            </a:endParaRPr>
+          </a:p>
+        </p:txBody>
+      </p:sp>
+      <p:sp>
+        <p:nvSpPr>
+          <p:cNvPr id="3" name="Marcador de contenido 2"/>
+          <p:cNvSpPr>
+            <a:spLocks noGrp="1"/>
+          </p:cNvSpPr>
+          <p:nvPr>
+            <p:ph idx="1"/>
+          </p:nvPr>
+        </p:nvSpPr>
+        <p:spPr>
+          <a:xfrm>
+            <a:off x="646110" y="1600676"/>
+            <a:ext cx="9804175" cy="4264547"/>
+          </a:xfrm>
+        </p:spPr>
+        <p:txBody>
+          <a:bodyPr>
+            <a:normAutofit fontScale="92500" lnSpcReduction="10000"/>
+          </a:bodyPr>
+          <a:lstStyle/>
+          <a:p>
+            <a:r>
+              <a:rPr lang="es-CO" sz="2400" b="1" dirty="0">
+                <a:effectLst>
+                  <a:outerShdw blurRad="38100" dist="38100" dir="2700000" algn="tl">
+                    <a:srgbClr val="000000">
+                      <a:alpha val="43137"/>
+                    </a:srgbClr>
+                  </a:outerShdw>
+                </a:effectLst>
+              </a:rPr>
+              <a:t>CALISOFT, 2017. Norma Ramal (NR) 2-1, Requisitos de la Calidad para Sistemas Informáticos y Productos de Software [en línea]. S.l.: Sub Comité 7 Ingeniería de software y Sistemas. Disponible en: https://subcomite7.cubava.cu/2017/02/10/norma-ramal-requisitos-de-la-calidad-para-sistemas-informaticos-y-productos-de-software/. </a:t>
+            </a:r>
+          </a:p>
+          <a:p>
+            <a:r>
+              <a:rPr lang="es-CO" sz="2400" b="1" dirty="0">
+                <a:effectLst>
+                  <a:outerShdw blurRad="38100" dist="38100" dir="2700000" algn="tl">
+                    <a:srgbClr val="000000">
+                      <a:alpha val="43137"/>
+                    </a:srgbClr>
+                  </a:outerShdw>
+                </a:effectLst>
+              </a:rPr>
+              <a:t>CMMI INSTITUTE, 2018. </a:t>
+            </a:r>
+            <a:r>
+              <a:rPr lang="es-CO" sz="2400" b="1" dirty="0" err="1">
+                <a:effectLst>
+                  <a:outerShdw blurRad="38100" dist="38100" dir="2700000" algn="tl">
+                    <a:srgbClr val="000000">
+                      <a:alpha val="43137"/>
+                    </a:srgbClr>
+                  </a:outerShdw>
+                </a:effectLst>
+              </a:rPr>
+              <a:t>Introducing</a:t>
+            </a:r>
+            <a:r>
+              <a:rPr lang="es-CO" sz="2400" b="1" dirty="0">
+                <a:effectLst>
+                  <a:outerShdw blurRad="38100" dist="38100" dir="2700000" algn="tl">
+                    <a:srgbClr val="000000">
+                      <a:alpha val="43137"/>
+                    </a:srgbClr>
+                  </a:outerShdw>
+                </a:effectLst>
+              </a:rPr>
+              <a:t> CMMI </a:t>
+            </a:r>
+            <a:r>
+              <a:rPr lang="es-CO" sz="2400" b="1" dirty="0" err="1">
+                <a:effectLst>
+                  <a:outerShdw blurRad="38100" dist="38100" dir="2700000" algn="tl">
+                    <a:srgbClr val="000000">
+                      <a:alpha val="43137"/>
+                    </a:srgbClr>
+                  </a:outerShdw>
+                </a:effectLst>
+              </a:rPr>
+              <a:t>Development</a:t>
+            </a:r>
+            <a:r>
+              <a:rPr lang="es-CO" sz="2400" b="1" dirty="0">
+                <a:effectLst>
+                  <a:outerShdw blurRad="38100" dist="38100" dir="2700000" algn="tl">
+                    <a:srgbClr val="000000">
+                      <a:alpha val="43137"/>
+                    </a:srgbClr>
+                  </a:outerShdw>
+                </a:effectLst>
+              </a:rPr>
+              <a:t> v2.0 to PAN-INDIA SPIN. [en línea]. S.l.: Disponible en: https://cmmiinstitute.com/getattachment/5b16e5f1-acd2-4b86-aa4c-c9bc353a669f/attachment.aspx. </a:t>
+            </a:r>
+          </a:p>
+          <a:p>
+            <a:r>
+              <a:rPr lang="es-CO" sz="2400" b="1" dirty="0">
+                <a:effectLst>
+                  <a:outerShdw blurRad="38100" dist="38100" dir="2700000" algn="tl">
+                    <a:srgbClr val="000000">
+                      <a:alpha val="43137"/>
+                    </a:srgbClr>
+                  </a:outerShdw>
+                </a:effectLst>
+              </a:rPr>
+              <a:t>CYSNEIROS, L.M. y YU, E., 2004. Non-</a:t>
+            </a:r>
+            <a:r>
+              <a:rPr lang="es-CO" sz="2400" b="1" dirty="0" err="1">
+                <a:effectLst>
+                  <a:outerShdw blurRad="38100" dist="38100" dir="2700000" algn="tl">
+                    <a:srgbClr val="000000">
+                      <a:alpha val="43137"/>
+                    </a:srgbClr>
+                  </a:outerShdw>
+                </a:effectLst>
+              </a:rPr>
+              <a:t>functional</a:t>
+            </a:r>
+            <a:r>
+              <a:rPr lang="es-CO" sz="2400" b="1" dirty="0">
+                <a:effectLst>
+                  <a:outerShdw blurRad="38100" dist="38100" dir="2700000" algn="tl">
+                    <a:srgbClr val="000000">
+                      <a:alpha val="43137"/>
+                    </a:srgbClr>
+                  </a:outerShdw>
+                </a:effectLst>
+              </a:rPr>
+              <a:t> </a:t>
+            </a:r>
+            <a:r>
+              <a:rPr lang="es-CO" sz="2400" b="1" dirty="0" err="1">
+                <a:effectLst>
+                  <a:outerShdw blurRad="38100" dist="38100" dir="2700000" algn="tl">
+                    <a:srgbClr val="000000">
+                      <a:alpha val="43137"/>
+                    </a:srgbClr>
+                  </a:outerShdw>
+                </a:effectLst>
+              </a:rPr>
+              <a:t>requirements</a:t>
+            </a:r>
+            <a:r>
+              <a:rPr lang="es-CO" sz="2400" b="1" dirty="0">
+                <a:effectLst>
+                  <a:outerShdw blurRad="38100" dist="38100" dir="2700000" algn="tl">
+                    <a:srgbClr val="000000">
+                      <a:alpha val="43137"/>
+                    </a:srgbClr>
+                  </a:outerShdw>
+                </a:effectLst>
+              </a:rPr>
+              <a:t> </a:t>
+            </a:r>
+            <a:r>
+              <a:rPr lang="es-CO" sz="2400" b="1" dirty="0" err="1">
+                <a:effectLst>
+                  <a:outerShdw blurRad="38100" dist="38100" dir="2700000" algn="tl">
+                    <a:srgbClr val="000000">
+                      <a:alpha val="43137"/>
+                    </a:srgbClr>
+                  </a:outerShdw>
+                </a:effectLst>
+              </a:rPr>
+              <a:t>elicitation</a:t>
+            </a:r>
+            <a:r>
+              <a:rPr lang="es-CO" sz="2400" b="1" dirty="0">
+                <a:effectLst>
+                  <a:outerShdw blurRad="38100" dist="38100" dir="2700000" algn="tl">
+                    <a:srgbClr val="000000">
+                      <a:alpha val="43137"/>
+                    </a:srgbClr>
+                  </a:outerShdw>
+                </a:effectLst>
+              </a:rPr>
+              <a:t>. S.l.: </a:t>
+            </a:r>
+            <a:r>
+              <a:rPr lang="es-CO" sz="2400" b="1" dirty="0" err="1">
+                <a:effectLst>
+                  <a:outerShdw blurRad="38100" dist="38100" dir="2700000" algn="tl">
+                    <a:srgbClr val="000000">
+                      <a:alpha val="43137"/>
+                    </a:srgbClr>
+                  </a:outerShdw>
+                </a:effectLst>
+              </a:rPr>
+              <a:t>Springer</a:t>
+            </a:r>
+            <a:r>
+              <a:rPr lang="es-CO" sz="2400" b="1" dirty="0">
+                <a:effectLst>
+                  <a:outerShdw blurRad="38100" dist="38100" dir="2700000" algn="tl">
+                    <a:srgbClr val="000000">
+                      <a:alpha val="43137"/>
+                    </a:srgbClr>
+                  </a:outerShdw>
+                </a:effectLst>
+              </a:rPr>
+              <a:t>, Boston, MA. ISBN 978-1-4615-0465-8</a:t>
+            </a:r>
+            <a:r>
+              <a:rPr lang="es-CO" sz="2400" b="1">
+                <a:effectLst>
+                  <a:outerShdw blurRad="38100" dist="38100" dir="2700000" algn="tl">
+                    <a:srgbClr val="000000">
+                      <a:alpha val="43137"/>
+                    </a:srgbClr>
+                  </a:outerShdw>
+                </a:effectLst>
+              </a:rPr>
+              <a:t>. </a:t>
+            </a:r>
+            <a:endParaRPr lang="es-CO" sz="2400" b="1" dirty="0">
+              <a:effectLst>
+                <a:outerShdw blurRad="38100" dist="38100" dir="2700000" algn="tl">
+                  <a:srgbClr val="000000">
+                    <a:alpha val="43137"/>
+                  </a:srgbClr>
+                </a:outerShdw>
+              </a:effectLst>
+            </a:endParaRPr>
+          </a:p>
+        </p:txBody>
+      </p:sp>
+    </p:spTree>
+    <p:extLst>
+      <p:ext uri="{BB962C8B-B14F-4D97-AF65-F5344CB8AC3E}">
+        <p14:creationId xmlns:p14="http://schemas.microsoft.com/office/powerpoint/2010/main" val="604023770"/>
       </p:ext>
     </p:extLst>
   </p:cSld>
